--- a/img/graphs/DevCycle.pptx
+++ b/img/graphs/DevCycle.pptx
@@ -866,47 +866,83 @@
       <dgm:prSet loTypeId="urn:microsoft.com/office/officeart/2005/8/layout/cycle8" loCatId="cycle" qsTypeId="urn:microsoft.com/office/officeart/2005/8/quickstyle/simple1" qsCatId="simple" csTypeId="urn:microsoft.com/office/officeart/2005/8/colors/accent1_2" csCatId="accent1" phldr="1"/>
       <dgm:spPr/>
     </dgm:pt>
-    <dgm:pt modelId="{E483BFC4-A95F-4BED-AAE3-B115868C0CE1}">
+    <dgm:pt modelId="{B1794C70-08B0-41FF-BB39-D9EF619AD08D}">
       <dgm:prSet phldrT="[Text]" custT="1"/>
       <dgm:spPr/>
       <dgm:t>
-        <a:bodyPr anchor="ctr"/>
+        <a:bodyPr anchor="b"/>
         <a:lstStyle/>
         <a:p>
-          <a:endParaRPr lang="en-US" sz="2200" noProof="0" dirty="0"/>
-        </a:p>
-        <a:p>
+          <a:pPr algn="ctr"/>
           <a:r>
             <a:rPr lang="en-US" sz="2800" noProof="0" dirty="0"/>
-            <a:t>Test</a:t>
+            <a:t>Develop</a:t>
           </a:r>
           <a:endParaRPr lang="en-US" sz="2200" noProof="0" dirty="0"/>
         </a:p>
       </dgm:t>
     </dgm:pt>
-    <dgm:pt modelId="{5B922008-9FE4-44E6-9D86-E192D02313E4}" type="parTrans" cxnId="{378AB0BB-8263-4844-8430-FF88F61EC106}">
+    <dgm:pt modelId="{CB10F72B-4FBD-4DFA-8062-039978E5B937}" type="parTrans" cxnId="{DD4CE224-7FF9-4576-BB1B-88C419BBCB32}">
       <dgm:prSet/>
       <dgm:spPr/>
       <dgm:t>
         <a:bodyPr/>
         <a:lstStyle/>
         <a:p>
-          <a:endParaRPr lang="en-US" noProof="0" dirty="0"/>
+          <a:endParaRPr lang="en-US"/>
         </a:p>
       </dgm:t>
     </dgm:pt>
-    <dgm:pt modelId="{3DBE5347-830C-4636-A84F-040DAB961308}" type="sibTrans" cxnId="{378AB0BB-8263-4844-8430-FF88F61EC106}">
+    <dgm:pt modelId="{9F8011D3-8AAF-4391-8722-92711D400455}" type="sibTrans" cxnId="{DD4CE224-7FF9-4576-BB1B-88C419BBCB32}">
       <dgm:prSet/>
       <dgm:spPr/>
       <dgm:t>
         <a:bodyPr/>
         <a:lstStyle/>
         <a:p>
-          <a:endParaRPr lang="en-US" noProof="0" dirty="0"/>
+          <a:endParaRPr lang="en-US"/>
         </a:p>
       </dgm:t>
     </dgm:pt>
-    <dgm:pt modelId="{7B71B710-FF41-469F-839C-D71548E8A619}">
+    <dgm:pt modelId="{1692BC5D-AF9D-4CF5-A6AD-AD285878CAA4}">
+      <dgm:prSet phldrT="[Text]" custT="1"/>
+      <dgm:spPr/>
+      <dgm:t>
+        <a:bodyPr anchor="t"/>
+        <a:lstStyle/>
+        <a:p>
+          <a:pPr algn="ctr"/>
+          <a:r>
+            <a:rPr lang="pt-PT" sz="2800" noProof="0" dirty="0"/>
+            <a:t>Design</a:t>
+          </a:r>
+          <a:endParaRPr lang="en-US" sz="2200" noProof="0" dirty="0"/>
+        </a:p>
+      </dgm:t>
+    </dgm:pt>
+    <dgm:pt modelId="{4A7BE70B-FEB7-4070-B709-47C4E3EE0B36}" type="parTrans" cxnId="{0798B3BF-7386-4B50-AAA1-1BF9B80A5276}">
+      <dgm:prSet/>
+      <dgm:spPr/>
+      <dgm:t>
+        <a:bodyPr/>
+        <a:lstStyle/>
+        <a:p>
+          <a:endParaRPr lang="en-US"/>
+        </a:p>
+      </dgm:t>
+    </dgm:pt>
+    <dgm:pt modelId="{9743EB97-738F-41EF-91D5-AF8A05976012}" type="sibTrans" cxnId="{0798B3BF-7386-4B50-AAA1-1BF9B80A5276}">
+      <dgm:prSet/>
+      <dgm:spPr/>
+      <dgm:t>
+        <a:bodyPr/>
+        <a:lstStyle/>
+        <a:p>
+          <a:endParaRPr lang="en-US"/>
+        </a:p>
+      </dgm:t>
+    </dgm:pt>
+    <dgm:pt modelId="{FCAF91D4-6E80-4D4B-8905-7144E471F56C}">
       <dgm:prSet phldrT="[Text]" custT="1"/>
       <dgm:spPr/>
       <dgm:t>
@@ -921,7 +957,7 @@
         </a:p>
       </dgm:t>
     </dgm:pt>
-    <dgm:pt modelId="{B3D5AF55-9C50-4736-9DA5-96A97DCC4442}" type="parTrans" cxnId="{12369EC8-E79D-45C1-807D-7B37A01202E6}">
+    <dgm:pt modelId="{2B494013-D726-47DD-AC3A-9B50F9D140D7}" type="sibTrans" cxnId="{F73A9467-1B79-4208-A27C-A3F77591149E}">
       <dgm:prSet/>
       <dgm:spPr/>
       <dgm:t>
@@ -932,7 +968,7 @@
         </a:p>
       </dgm:t>
     </dgm:pt>
-    <dgm:pt modelId="{9AF04662-BA4B-4651-BFBE-8E07F0490F40}" type="sibTrans" cxnId="{12369EC8-E79D-45C1-807D-7B37A01202E6}">
+    <dgm:pt modelId="{2E294DFF-9BC3-4EDA-9B88-AA541465A238}" type="parTrans" cxnId="{F73A9467-1B79-4208-A27C-A3F77591149E}">
       <dgm:prSet/>
       <dgm:spPr/>
       <dgm:t>
@@ -943,22 +979,23 @@
         </a:p>
       </dgm:t>
     </dgm:pt>
-    <dgm:pt modelId="{7D449563-B31F-4E6B-8AE4-730BE3CDABC8}">
+    <dgm:pt modelId="{6AB93D8A-CC83-4B9E-AD00-DECA8E9B97A0}">
       <dgm:prSet phldrT="[Text]" custT="1"/>
       <dgm:spPr/>
       <dgm:t>
-        <a:bodyPr anchor="t"/>
+        <a:bodyPr anchor="b"/>
         <a:lstStyle/>
         <a:p>
+          <a:pPr algn="ctr"/>
           <a:r>
-            <a:rPr lang="pt-PT" sz="2800" noProof="0" dirty="0"/>
-            <a:t>Design</a:t>
+            <a:rPr lang="pt-PT" sz="3200" noProof="0" dirty="0" err="1"/>
+            <a:t>Test</a:t>
           </a:r>
           <a:endParaRPr lang="en-US" sz="2200" noProof="0" dirty="0"/>
         </a:p>
       </dgm:t>
     </dgm:pt>
-    <dgm:pt modelId="{374D1221-8E03-4BA7-A208-0C168833AD47}" type="parTrans" cxnId="{2953475A-7D4A-49FC-9691-D7C853D47EF4}">
+    <dgm:pt modelId="{B18F925C-E8C0-4395-847D-87DB560C79F6}" type="parTrans" cxnId="{B7738C0B-D261-4DD6-B94B-1D6A8C97CE89}">
       <dgm:prSet/>
       <dgm:spPr/>
       <dgm:t>
@@ -969,49 +1006,7 @@
         </a:p>
       </dgm:t>
     </dgm:pt>
-    <dgm:pt modelId="{8D5E0092-5A56-49E5-B6FD-7D37D0536B1B}" type="sibTrans" cxnId="{2953475A-7D4A-49FC-9691-D7C853D47EF4}">
-      <dgm:prSet/>
-      <dgm:spPr/>
-      <dgm:t>
-        <a:bodyPr/>
-        <a:lstStyle/>
-        <a:p>
-          <a:endParaRPr lang="en-US"/>
-        </a:p>
-      </dgm:t>
-    </dgm:pt>
-    <dgm:pt modelId="{C3BD7E5E-999A-4978-A9F1-9BAF4479EF76}">
-      <dgm:prSet phldrT="[Text]" custT="1"/>
-      <dgm:spPr/>
-      <dgm:t>
-        <a:bodyPr anchor="ctr"/>
-        <a:lstStyle/>
-        <a:p>
-          <a:pPr algn="l"/>
-          <a:endParaRPr lang="en-US" sz="2200" noProof="0" dirty="0"/>
-        </a:p>
-        <a:p>
-          <a:pPr algn="ctr"/>
-          <a:r>
-            <a:rPr lang="en-US" sz="2800" noProof="0" dirty="0"/>
-            <a:t>Develop</a:t>
-          </a:r>
-          <a:endParaRPr lang="en-US" sz="2200" noProof="0" dirty="0"/>
-        </a:p>
-      </dgm:t>
-    </dgm:pt>
-    <dgm:pt modelId="{461B717F-AFE8-4F4D-89C1-EA877A45EA47}" type="parTrans" cxnId="{9BF973F6-E4FA-47D3-A633-7E5AE4332B0E}">
-      <dgm:prSet/>
-      <dgm:spPr/>
-      <dgm:t>
-        <a:bodyPr/>
-        <a:lstStyle/>
-        <a:p>
-          <a:endParaRPr lang="en-US"/>
-        </a:p>
-      </dgm:t>
-    </dgm:pt>
-    <dgm:pt modelId="{61A8D00C-912D-4757-AA3C-66F9E45453EE}" type="sibTrans" cxnId="{9BF973F6-E4FA-47D3-A633-7E5AE4332B0E}">
+    <dgm:pt modelId="{131D4A43-48E4-4245-BDE3-276841CF394D}" type="sibTrans" cxnId="{B7738C0B-D261-4DD6-B94B-1D6A8C97CE89}">
       <dgm:prSet/>
       <dgm:spPr/>
       <dgm:t>
@@ -1098,19 +1093,19 @@
       </dgm:prSet>
       <dgm:spPr/>
     </dgm:pt>
-    <dgm:pt modelId="{D08C992C-FC84-480F-84E8-4B077A46FCC8}" type="pres">
+    <dgm:pt modelId="{57280285-F35B-4AFE-85C6-CBAD9CC22362}" type="pres">
       <dgm:prSet presAssocID="{D42DDCDF-B581-44DA-AD06-504236D8B043}" presName="wedge4" presStyleLbl="node1" presStyleIdx="3" presStyleCnt="4"/>
       <dgm:spPr/>
     </dgm:pt>
-    <dgm:pt modelId="{E343B0B4-E384-4601-96FE-7C0CBB454AE6}" type="pres">
+    <dgm:pt modelId="{352F7DED-2CD9-47B1-A43B-13245820E1EB}" type="pres">
       <dgm:prSet presAssocID="{D42DDCDF-B581-44DA-AD06-504236D8B043}" presName="dummy4a" presStyleCnt="0"/>
       <dgm:spPr/>
     </dgm:pt>
-    <dgm:pt modelId="{E97F6E3E-29A2-4827-A5AA-BBDEAA5A3AAB}" type="pres">
+    <dgm:pt modelId="{F0C037EB-0DD1-4C04-9CDD-A6CBF6B6457D}" type="pres">
       <dgm:prSet presAssocID="{D42DDCDF-B581-44DA-AD06-504236D8B043}" presName="dummy4b" presStyleCnt="0"/>
       <dgm:spPr/>
     </dgm:pt>
-    <dgm:pt modelId="{ECF6DBCB-BCCC-47E0-9F60-07DAE5F4441A}" type="pres">
+    <dgm:pt modelId="{929BBC26-6E0C-412B-9278-86CADC996F5F}" type="pres">
       <dgm:prSet presAssocID="{D42DDCDF-B581-44DA-AD06-504236D8B043}" presName="wedge4Tx" presStyleLbl="node1" presStyleIdx="3" presStyleCnt="4">
         <dgm:presLayoutVars>
           <dgm:chMax val="0"/>
@@ -1120,37 +1115,37 @@
       </dgm:prSet>
       <dgm:spPr/>
     </dgm:pt>
-    <dgm:pt modelId="{1D620534-15D3-4DBE-BEEC-3091EA57DD52}" type="pres">
-      <dgm:prSet presAssocID="{9AF04662-BA4B-4651-BFBE-8E07F0490F40}" presName="arrowWedge1" presStyleLbl="fgSibTrans2D1" presStyleIdx="0" presStyleCnt="4"/>
+    <dgm:pt modelId="{47458E7C-1CFE-4F02-AEF0-A71EBEF68216}" type="pres">
+      <dgm:prSet presAssocID="{9743EB97-738F-41EF-91D5-AF8A05976012}" presName="arrowWedge1" presStyleLbl="fgSibTrans2D1" presStyleIdx="0" presStyleCnt="4"/>
       <dgm:spPr/>
     </dgm:pt>
-    <dgm:pt modelId="{E430CA71-8606-499F-8D89-D73EED78F62B}" type="pres">
-      <dgm:prSet presAssocID="{61A8D00C-912D-4757-AA3C-66F9E45453EE}" presName="arrowWedge2" presStyleLbl="fgSibTrans2D1" presStyleIdx="1" presStyleCnt="4"/>
+    <dgm:pt modelId="{08B33881-C58B-4BC7-9C3E-ECCAF5FFF7E5}" type="pres">
+      <dgm:prSet presAssocID="{9F8011D3-8AAF-4391-8722-92711D400455}" presName="arrowWedge2" presStyleLbl="fgSibTrans2D1" presStyleIdx="1" presStyleCnt="4"/>
       <dgm:spPr/>
     </dgm:pt>
-    <dgm:pt modelId="{7C8E67CB-5A0E-4EF6-B09B-A90FA0D79582}" type="pres">
-      <dgm:prSet presAssocID="{3DBE5347-830C-4636-A84F-040DAB961308}" presName="arrowWedge3" presStyleLbl="fgSibTrans2D1" presStyleIdx="2" presStyleCnt="4"/>
+    <dgm:pt modelId="{245433A6-D797-40EF-93CE-B8EFE110FD5B}" type="pres">
+      <dgm:prSet presAssocID="{131D4A43-48E4-4245-BDE3-276841CF394D}" presName="arrowWedge3" presStyleLbl="fgSibTrans2D1" presStyleIdx="2" presStyleCnt="4"/>
       <dgm:spPr/>
     </dgm:pt>
-    <dgm:pt modelId="{EDF8857C-D154-4E43-8C68-391F84343C08}" type="pres">
-      <dgm:prSet presAssocID="{8D5E0092-5A56-49E5-B6FD-7D37D0536B1B}" presName="arrowWedge4" presStyleLbl="fgSibTrans2D1" presStyleIdx="3" presStyleCnt="4"/>
+    <dgm:pt modelId="{0CA0DB32-CD3E-485B-B916-8773632BEFF7}" type="pres">
+      <dgm:prSet presAssocID="{2B494013-D726-47DD-AC3A-9B50F9D140D7}" presName="arrowWedge4" presStyleLbl="fgSibTrans2D1" presStyleIdx="3" presStyleCnt="4"/>
       <dgm:spPr/>
     </dgm:pt>
   </dgm:ptLst>
   <dgm:cxnLst>
-    <dgm:cxn modelId="{BBC2813D-D1ED-4B23-968F-89E392A942F4}" type="presOf" srcId="{7B71B710-FF41-469F-839C-D71548E8A619}" destId="{795F214F-0D3F-4B95-9A73-91FD7ECEC6B5}" srcOrd="1" destOrd="0" presId="urn:microsoft.com/office/officeart/2005/8/layout/cycle8"/>
-    <dgm:cxn modelId="{31FBD755-4368-41E2-816A-6B89F2A87909}" type="presOf" srcId="{7D449563-B31F-4E6B-8AE4-730BE3CDABC8}" destId="{D08C992C-FC84-480F-84E8-4B077A46FCC8}" srcOrd="0" destOrd="0" presId="urn:microsoft.com/office/officeart/2005/8/layout/cycle8"/>
-    <dgm:cxn modelId="{2953475A-7D4A-49FC-9691-D7C853D47EF4}" srcId="{D42DDCDF-B581-44DA-AD06-504236D8B043}" destId="{7D449563-B31F-4E6B-8AE4-730BE3CDABC8}" srcOrd="3" destOrd="0" parTransId="{374D1221-8E03-4BA7-A208-0C168833AD47}" sibTransId="{8D5E0092-5A56-49E5-B6FD-7D37D0536B1B}"/>
-    <dgm:cxn modelId="{35E3FD7B-4CAF-4D8F-A111-D33CB722AECA}" type="presOf" srcId="{C3BD7E5E-999A-4978-A9F1-9BAF4479EF76}" destId="{234C0F9C-23A2-491F-8E84-AA0F26B93D80}" srcOrd="1" destOrd="0" presId="urn:microsoft.com/office/officeart/2005/8/layout/cycle8"/>
-    <dgm:cxn modelId="{C404A897-5AA8-4D33-9C8F-3479CD549211}" type="presOf" srcId="{E483BFC4-A95F-4BED-AAE3-B115868C0CE1}" destId="{7D1A4EDF-2761-4A68-B940-3FA2EF85A8A8}" srcOrd="1" destOrd="0" presId="urn:microsoft.com/office/officeart/2005/8/layout/cycle8"/>
-    <dgm:cxn modelId="{378AB0BB-8263-4844-8430-FF88F61EC106}" srcId="{D42DDCDF-B581-44DA-AD06-504236D8B043}" destId="{E483BFC4-A95F-4BED-AAE3-B115868C0CE1}" srcOrd="2" destOrd="0" parTransId="{5B922008-9FE4-44E6-9D86-E192D02313E4}" sibTransId="{3DBE5347-830C-4636-A84F-040DAB961308}"/>
+    <dgm:cxn modelId="{B7738C0B-D261-4DD6-B94B-1D6A8C97CE89}" srcId="{D42DDCDF-B581-44DA-AD06-504236D8B043}" destId="{6AB93D8A-CC83-4B9E-AD00-DECA8E9B97A0}" srcOrd="2" destOrd="0" parTransId="{B18F925C-E8C0-4395-847D-87DB560C79F6}" sibTransId="{131D4A43-48E4-4245-BDE3-276841CF394D}"/>
+    <dgm:cxn modelId="{DD4CE224-7FF9-4576-BB1B-88C419BBCB32}" srcId="{D42DDCDF-B581-44DA-AD06-504236D8B043}" destId="{B1794C70-08B0-41FF-BB39-D9EF619AD08D}" srcOrd="1" destOrd="0" parTransId="{CB10F72B-4FBD-4DFA-8062-039978E5B937}" sibTransId="{9F8011D3-8AAF-4391-8722-92711D400455}"/>
+    <dgm:cxn modelId="{23BB762F-C32C-42FC-A45C-54A7E118ABE4}" type="presOf" srcId="{B1794C70-08B0-41FF-BB39-D9EF619AD08D}" destId="{234C0F9C-23A2-491F-8E84-AA0F26B93D80}" srcOrd="1" destOrd="0" presId="urn:microsoft.com/office/officeart/2005/8/layout/cycle8"/>
+    <dgm:cxn modelId="{F73A9467-1B79-4208-A27C-A3F77591149E}" srcId="{D42DDCDF-B581-44DA-AD06-504236D8B043}" destId="{FCAF91D4-6E80-4D4B-8905-7144E471F56C}" srcOrd="3" destOrd="0" parTransId="{2E294DFF-9BC3-4EDA-9B88-AA541465A238}" sibTransId="{2B494013-D726-47DD-AC3A-9B50F9D140D7}"/>
+    <dgm:cxn modelId="{8869696C-518B-4231-A4F0-D341442F3220}" type="presOf" srcId="{B1794C70-08B0-41FF-BB39-D9EF619AD08D}" destId="{F4238D03-B093-4828-BEA2-1E91D00C7FBB}" srcOrd="0" destOrd="0" presId="urn:microsoft.com/office/officeart/2005/8/layout/cycle8"/>
+    <dgm:cxn modelId="{C8AF6E7E-F6D0-4BBD-AD63-6552CC2D5D1F}" type="presOf" srcId="{1692BC5D-AF9D-4CF5-A6AD-AD285878CAA4}" destId="{45EFDD93-62B4-47EA-8CF6-6A7801AD720D}" srcOrd="0" destOrd="0" presId="urn:microsoft.com/office/officeart/2005/8/layout/cycle8"/>
+    <dgm:cxn modelId="{56B8D78E-E827-4068-AF1B-228728DD640F}" type="presOf" srcId="{6AB93D8A-CC83-4B9E-AD00-DECA8E9B97A0}" destId="{8F14593F-B9BE-44A3-B48B-D6980CD25675}" srcOrd="0" destOrd="0" presId="urn:microsoft.com/office/officeart/2005/8/layout/cycle8"/>
+    <dgm:cxn modelId="{0798B3BF-7386-4B50-AAA1-1BF9B80A5276}" srcId="{D42DDCDF-B581-44DA-AD06-504236D8B043}" destId="{1692BC5D-AF9D-4CF5-A6AD-AD285878CAA4}" srcOrd="0" destOrd="0" parTransId="{4A7BE70B-FEB7-4070-B709-47C4E3EE0B36}" sibTransId="{9743EB97-738F-41EF-91D5-AF8A05976012}"/>
     <dgm:cxn modelId="{CB4C85C6-A9FD-456B-828B-691E52B4F9C2}" type="presOf" srcId="{D42DDCDF-B581-44DA-AD06-504236D8B043}" destId="{F18F0113-7947-4D47-BDAC-00C34A8D5161}" srcOrd="0" destOrd="0" presId="urn:microsoft.com/office/officeart/2005/8/layout/cycle8"/>
-    <dgm:cxn modelId="{12369EC8-E79D-45C1-807D-7B37A01202E6}" srcId="{D42DDCDF-B581-44DA-AD06-504236D8B043}" destId="{7B71B710-FF41-469F-839C-D71548E8A619}" srcOrd="0" destOrd="0" parTransId="{B3D5AF55-9C50-4736-9DA5-96A97DCC4442}" sibTransId="{9AF04662-BA4B-4651-BFBE-8E07F0490F40}"/>
-    <dgm:cxn modelId="{9B8AC2DB-48DE-4857-BDBC-B7D4CD5B5DC8}" type="presOf" srcId="{C3BD7E5E-999A-4978-A9F1-9BAF4479EF76}" destId="{F4238D03-B093-4828-BEA2-1E91D00C7FBB}" srcOrd="0" destOrd="0" presId="urn:microsoft.com/office/officeart/2005/8/layout/cycle8"/>
-    <dgm:cxn modelId="{652038ED-1E1C-4FE4-A624-AA787CBA73B8}" type="presOf" srcId="{7D449563-B31F-4E6B-8AE4-730BE3CDABC8}" destId="{ECF6DBCB-BCCC-47E0-9F60-07DAE5F4441A}" srcOrd="1" destOrd="0" presId="urn:microsoft.com/office/officeart/2005/8/layout/cycle8"/>
-    <dgm:cxn modelId="{81B429F3-3291-4B28-9573-C4744FE6D756}" type="presOf" srcId="{E483BFC4-A95F-4BED-AAE3-B115868C0CE1}" destId="{8F14593F-B9BE-44A3-B48B-D6980CD25675}" srcOrd="0" destOrd="0" presId="urn:microsoft.com/office/officeart/2005/8/layout/cycle8"/>
-    <dgm:cxn modelId="{E3BCBFF5-9BBF-4DA8-9387-DEDB1A1CC9C7}" type="presOf" srcId="{7B71B710-FF41-469F-839C-D71548E8A619}" destId="{45EFDD93-62B4-47EA-8CF6-6A7801AD720D}" srcOrd="0" destOrd="0" presId="urn:microsoft.com/office/officeart/2005/8/layout/cycle8"/>
-    <dgm:cxn modelId="{9BF973F6-E4FA-47D3-A633-7E5AE4332B0E}" srcId="{D42DDCDF-B581-44DA-AD06-504236D8B043}" destId="{C3BD7E5E-999A-4978-A9F1-9BAF4479EF76}" srcOrd="1" destOrd="0" parTransId="{461B717F-AFE8-4F4D-89C1-EA877A45EA47}" sibTransId="{61A8D00C-912D-4757-AA3C-66F9E45453EE}"/>
+    <dgm:cxn modelId="{BF8C51D3-2892-4551-B679-E8499A5C543D}" type="presOf" srcId="{1692BC5D-AF9D-4CF5-A6AD-AD285878CAA4}" destId="{795F214F-0D3F-4B95-9A73-91FD7ECEC6B5}" srcOrd="1" destOrd="0" presId="urn:microsoft.com/office/officeart/2005/8/layout/cycle8"/>
+    <dgm:cxn modelId="{A4927BE0-902A-4469-B7F7-C70D860FE213}" type="presOf" srcId="{FCAF91D4-6E80-4D4B-8905-7144E471F56C}" destId="{929BBC26-6E0C-412B-9278-86CADC996F5F}" srcOrd="1" destOrd="0" presId="urn:microsoft.com/office/officeart/2005/8/layout/cycle8"/>
+    <dgm:cxn modelId="{21FAD3E2-0800-4C7B-9D1F-25EDC0B6145A}" type="presOf" srcId="{6AB93D8A-CC83-4B9E-AD00-DECA8E9B97A0}" destId="{7D1A4EDF-2761-4A68-B940-3FA2EF85A8A8}" srcOrd="1" destOrd="0" presId="urn:microsoft.com/office/officeart/2005/8/layout/cycle8"/>
+    <dgm:cxn modelId="{DBBFB7F7-1036-459C-AFD2-850043123913}" type="presOf" srcId="{FCAF91D4-6E80-4D4B-8905-7144E471F56C}" destId="{57280285-F35B-4AFE-85C6-CBAD9CC22362}" srcOrd="0" destOrd="0" presId="urn:microsoft.com/office/officeart/2005/8/layout/cycle8"/>
     <dgm:cxn modelId="{27432712-10CC-42C2-A9DA-DA62E4C4797B}" type="presParOf" srcId="{F18F0113-7947-4D47-BDAC-00C34A8D5161}" destId="{45EFDD93-62B4-47EA-8CF6-6A7801AD720D}" srcOrd="0" destOrd="0" presId="urn:microsoft.com/office/officeart/2005/8/layout/cycle8"/>
     <dgm:cxn modelId="{CA00E3DC-5EDE-4ED8-99DE-7E977610B95F}" type="presParOf" srcId="{F18F0113-7947-4D47-BDAC-00C34A8D5161}" destId="{0D2B69E0-FA7C-4CFE-9C40-20A3F4B64658}" srcOrd="1" destOrd="0" presId="urn:microsoft.com/office/officeart/2005/8/layout/cycle8"/>
     <dgm:cxn modelId="{7D6F93CA-3B2D-4CA0-9DAA-C0BD69560428}" type="presParOf" srcId="{F18F0113-7947-4D47-BDAC-00C34A8D5161}" destId="{BD8F3F16-00D3-4B0A-BCCB-964573553E51}" srcOrd="2" destOrd="0" presId="urn:microsoft.com/office/officeart/2005/8/layout/cycle8"/>
@@ -1163,14 +1158,14 @@
     <dgm:cxn modelId="{442E7330-0B28-4828-8926-A4BB20E70C88}" type="presParOf" srcId="{F18F0113-7947-4D47-BDAC-00C34A8D5161}" destId="{5F0276F7-DC3C-4F26-A47D-6F2C6C7D243D}" srcOrd="9" destOrd="0" presId="urn:microsoft.com/office/officeart/2005/8/layout/cycle8"/>
     <dgm:cxn modelId="{FBB91BDF-19DA-4A6A-B7A0-811B89EE31FE}" type="presParOf" srcId="{F18F0113-7947-4D47-BDAC-00C34A8D5161}" destId="{38AD48DF-6B03-41BA-B5BA-4022AA062C1D}" srcOrd="10" destOrd="0" presId="urn:microsoft.com/office/officeart/2005/8/layout/cycle8"/>
     <dgm:cxn modelId="{22B61309-8B45-4385-89C0-6683A4C8027B}" type="presParOf" srcId="{F18F0113-7947-4D47-BDAC-00C34A8D5161}" destId="{7D1A4EDF-2761-4A68-B940-3FA2EF85A8A8}" srcOrd="11" destOrd="0" presId="urn:microsoft.com/office/officeart/2005/8/layout/cycle8"/>
-    <dgm:cxn modelId="{8FF2E8D4-F7ED-4A1D-9733-A8CA9827F2C6}" type="presParOf" srcId="{F18F0113-7947-4D47-BDAC-00C34A8D5161}" destId="{D08C992C-FC84-480F-84E8-4B077A46FCC8}" srcOrd="12" destOrd="0" presId="urn:microsoft.com/office/officeart/2005/8/layout/cycle8"/>
-    <dgm:cxn modelId="{C9151675-E4E0-4978-A0BD-19C3D3A6A684}" type="presParOf" srcId="{F18F0113-7947-4D47-BDAC-00C34A8D5161}" destId="{E343B0B4-E384-4601-96FE-7C0CBB454AE6}" srcOrd="13" destOrd="0" presId="urn:microsoft.com/office/officeart/2005/8/layout/cycle8"/>
-    <dgm:cxn modelId="{E2EA2E30-6984-4B4F-AFBF-79BDA5DF58F3}" type="presParOf" srcId="{F18F0113-7947-4D47-BDAC-00C34A8D5161}" destId="{E97F6E3E-29A2-4827-A5AA-BBDEAA5A3AAB}" srcOrd="14" destOrd="0" presId="urn:microsoft.com/office/officeart/2005/8/layout/cycle8"/>
-    <dgm:cxn modelId="{A9955367-2BC0-433F-B2F1-93E7B51FE5F1}" type="presParOf" srcId="{F18F0113-7947-4D47-BDAC-00C34A8D5161}" destId="{ECF6DBCB-BCCC-47E0-9F60-07DAE5F4441A}" srcOrd="15" destOrd="0" presId="urn:microsoft.com/office/officeart/2005/8/layout/cycle8"/>
-    <dgm:cxn modelId="{F8650877-0555-4DAE-85E0-2B69E833BC47}" type="presParOf" srcId="{F18F0113-7947-4D47-BDAC-00C34A8D5161}" destId="{1D620534-15D3-4DBE-BEEC-3091EA57DD52}" srcOrd="16" destOrd="0" presId="urn:microsoft.com/office/officeart/2005/8/layout/cycle8"/>
-    <dgm:cxn modelId="{6371D6F4-FB0D-4984-8BC8-90834C416CFB}" type="presParOf" srcId="{F18F0113-7947-4D47-BDAC-00C34A8D5161}" destId="{E430CA71-8606-499F-8D89-D73EED78F62B}" srcOrd="17" destOrd="0" presId="urn:microsoft.com/office/officeart/2005/8/layout/cycle8"/>
-    <dgm:cxn modelId="{1AB33018-D4C0-489D-A1B3-C186C3159C8B}" type="presParOf" srcId="{F18F0113-7947-4D47-BDAC-00C34A8D5161}" destId="{7C8E67CB-5A0E-4EF6-B09B-A90FA0D79582}" srcOrd="18" destOrd="0" presId="urn:microsoft.com/office/officeart/2005/8/layout/cycle8"/>
-    <dgm:cxn modelId="{BAE08575-A42A-40DF-80BF-D028D84DA61A}" type="presParOf" srcId="{F18F0113-7947-4D47-BDAC-00C34A8D5161}" destId="{EDF8857C-D154-4E43-8C68-391F84343C08}" srcOrd="19" destOrd="0" presId="urn:microsoft.com/office/officeart/2005/8/layout/cycle8"/>
+    <dgm:cxn modelId="{EE0B7009-BA29-4518-8955-168FCD7AEFE1}" type="presParOf" srcId="{F18F0113-7947-4D47-BDAC-00C34A8D5161}" destId="{57280285-F35B-4AFE-85C6-CBAD9CC22362}" srcOrd="12" destOrd="0" presId="urn:microsoft.com/office/officeart/2005/8/layout/cycle8"/>
+    <dgm:cxn modelId="{5ADB5549-5A52-4C66-9FDC-664DE3905C93}" type="presParOf" srcId="{F18F0113-7947-4D47-BDAC-00C34A8D5161}" destId="{352F7DED-2CD9-47B1-A43B-13245820E1EB}" srcOrd="13" destOrd="0" presId="urn:microsoft.com/office/officeart/2005/8/layout/cycle8"/>
+    <dgm:cxn modelId="{74BBC274-6F2F-4ADF-9B0C-EBAD88B96B1E}" type="presParOf" srcId="{F18F0113-7947-4D47-BDAC-00C34A8D5161}" destId="{F0C037EB-0DD1-4C04-9CDD-A6CBF6B6457D}" srcOrd="14" destOrd="0" presId="urn:microsoft.com/office/officeart/2005/8/layout/cycle8"/>
+    <dgm:cxn modelId="{EB22C413-F174-4C13-9B64-EA8B4E467AB6}" type="presParOf" srcId="{F18F0113-7947-4D47-BDAC-00C34A8D5161}" destId="{929BBC26-6E0C-412B-9278-86CADC996F5F}" srcOrd="15" destOrd="0" presId="urn:microsoft.com/office/officeart/2005/8/layout/cycle8"/>
+    <dgm:cxn modelId="{95BA5147-235A-48C7-8BE4-2491E9B00977}" type="presParOf" srcId="{F18F0113-7947-4D47-BDAC-00C34A8D5161}" destId="{47458E7C-1CFE-4F02-AEF0-A71EBEF68216}" srcOrd="16" destOrd="0" presId="urn:microsoft.com/office/officeart/2005/8/layout/cycle8"/>
+    <dgm:cxn modelId="{3225D90B-9B32-49F8-8122-A16406F68632}" type="presParOf" srcId="{F18F0113-7947-4D47-BDAC-00C34A8D5161}" destId="{08B33881-C58B-4BC7-9C3E-ECCAF5FFF7E5}" srcOrd="17" destOrd="0" presId="urn:microsoft.com/office/officeart/2005/8/layout/cycle8"/>
+    <dgm:cxn modelId="{9030450E-C415-4878-B29D-6F78A52D3E36}" type="presParOf" srcId="{F18F0113-7947-4D47-BDAC-00C34A8D5161}" destId="{245433A6-D797-40EF-93CE-B8EFE110FD5B}" srcOrd="18" destOrd="0" presId="urn:microsoft.com/office/officeart/2005/8/layout/cycle8"/>
+    <dgm:cxn modelId="{62B2FBF5-A190-4DC5-8399-65F3DAC7C38A}" type="presParOf" srcId="{F18F0113-7947-4D47-BDAC-00C34A8D5161}" destId="{0CA0DB32-CD3E-485B-B916-8773632BEFF7}" srcOrd="19" destOrd="0" presId="urn:microsoft.com/office/officeart/2005/8/layout/cycle8"/>
   </dgm:cxnLst>
   <dgm:bg/>
   <dgm:whole/>
@@ -1261,8 +1256,8 @@
             <a:buNone/>
           </a:pPr>
           <a:r>
-            <a:rPr lang="en-US" sz="2800" kern="1200" noProof="0" dirty="0"/>
-            <a:t>Analysis</a:t>
+            <a:rPr lang="pt-PT" sz="2800" kern="1200" noProof="0" dirty="0"/>
+            <a:t>Design</a:t>
           </a:r>
           <a:endParaRPr lang="en-US" sz="2200" kern="1200" noProof="0" dirty="0"/>
         </a:p>
@@ -1325,27 +1320,12 @@
         </a:fontRef>
       </dsp:style>
       <dsp:txBody>
-        <a:bodyPr spcFirstLastPara="0" vert="horz" wrap="square" lIns="27940" tIns="27940" rIns="27940" bIns="27940" numCol="1" spcCol="1270" anchor="ctr" anchorCtr="0">
+        <a:bodyPr spcFirstLastPara="0" vert="horz" wrap="square" lIns="35560" tIns="35560" rIns="35560" bIns="35560" numCol="1" spcCol="1270" anchor="b" anchorCtr="0">
           <a:noAutofit/>
         </a:bodyPr>
         <a:lstStyle/>
         <a:p>
-          <a:pPr marL="0" lvl="0" indent="0" algn="l" defTabSz="977900">
-            <a:lnSpc>
-              <a:spcPct val="90000"/>
-            </a:lnSpc>
-            <a:spcBef>
-              <a:spcPct val="0"/>
-            </a:spcBef>
-            <a:spcAft>
-              <a:spcPct val="35000"/>
-            </a:spcAft>
-            <a:buNone/>
-          </a:pPr>
-          <a:endParaRPr lang="en-US" sz="2200" kern="1200" noProof="0" dirty="0"/>
-        </a:p>
-        <a:p>
-          <a:pPr marL="0" lvl="0" indent="0" algn="ctr" defTabSz="977900">
+          <a:pPr marL="0" lvl="0" indent="0" algn="ctr" defTabSz="1244600">
             <a:lnSpc>
               <a:spcPct val="90000"/>
             </a:lnSpc>
@@ -1422,27 +1402,12 @@
         </a:fontRef>
       </dsp:style>
       <dsp:txBody>
-        <a:bodyPr spcFirstLastPara="0" vert="horz" wrap="square" lIns="27940" tIns="27940" rIns="27940" bIns="27940" numCol="1" spcCol="1270" anchor="ctr" anchorCtr="0">
+        <a:bodyPr spcFirstLastPara="0" vert="horz" wrap="square" lIns="40640" tIns="40640" rIns="40640" bIns="40640" numCol="1" spcCol="1270" anchor="b" anchorCtr="0">
           <a:noAutofit/>
         </a:bodyPr>
         <a:lstStyle/>
         <a:p>
-          <a:pPr marL="0" lvl="0" indent="0" algn="ctr" defTabSz="977900">
-            <a:lnSpc>
-              <a:spcPct val="90000"/>
-            </a:lnSpc>
-            <a:spcBef>
-              <a:spcPct val="0"/>
-            </a:spcBef>
-            <a:spcAft>
-              <a:spcPct val="35000"/>
-            </a:spcAft>
-            <a:buNone/>
-          </a:pPr>
-          <a:endParaRPr lang="en-US" sz="2200" kern="1200" noProof="0" dirty="0"/>
-        </a:p>
-        <a:p>
-          <a:pPr marL="0" lvl="0" indent="0" algn="ctr" defTabSz="977900">
+          <a:pPr marL="0" lvl="0" indent="0" algn="ctr" defTabSz="1422400">
             <a:lnSpc>
               <a:spcPct val="90000"/>
             </a:lnSpc>
@@ -1455,7 +1420,7 @@
             <a:buNone/>
           </a:pPr>
           <a:r>
-            <a:rPr lang="en-US" sz="2800" kern="1200" noProof="0" dirty="0"/>
+            <a:rPr lang="pt-PT" sz="3200" kern="1200" noProof="0" dirty="0" err="1"/>
             <a:t>Test</a:t>
           </a:r>
           <a:endParaRPr lang="en-US" sz="2200" kern="1200" noProof="0" dirty="0"/>
@@ -1466,7 +1431,7 @@
         <a:ext cx="1679786" cy="1246293"/>
       </dsp:txXfrm>
     </dsp:sp>
-    <dsp:sp modelId="{D08C992C-FC84-480F-84E8-4B077A46FCC8}">
+    <dsp:sp modelId="{57280285-F35B-4AFE-85C6-CBAD9CC22362}">
       <dsp:nvSpPr>
         <dsp:cNvPr id="0" name=""/>
         <dsp:cNvSpPr/>
@@ -1537,8 +1502,8 @@
             <a:buNone/>
           </a:pPr>
           <a:r>
-            <a:rPr lang="pt-PT" sz="2800" kern="1200" noProof="0" dirty="0"/>
-            <a:t>Design</a:t>
+            <a:rPr lang="en-US" sz="2800" kern="1200" noProof="0" dirty="0"/>
+            <a:t>Analysis</a:t>
           </a:r>
           <a:endParaRPr lang="en-US" sz="2200" kern="1200" noProof="0" dirty="0"/>
         </a:p>
@@ -1548,7 +1513,7 @@
         <a:ext cx="1679786" cy="1246293"/>
       </dsp:txXfrm>
     </dsp:sp>
-    <dsp:sp modelId="{1D620534-15D3-4DBE-BEEC-3091EA57DD52}">
+    <dsp:sp modelId="{47458E7C-1CFE-4F02-AEF0-A71EBEF68216}">
       <dsp:nvSpPr>
         <dsp:cNvPr id="0" name=""/>
         <dsp:cNvSpPr/>
@@ -1596,7 +1561,7 @@
         </a:fontRef>
       </dsp:style>
     </dsp:sp>
-    <dsp:sp modelId="{E430CA71-8606-499F-8D89-D73EED78F62B}">
+    <dsp:sp modelId="{08B33881-C58B-4BC7-9C3E-ECCAF5FFF7E5}">
       <dsp:nvSpPr>
         <dsp:cNvPr id="0" name=""/>
         <dsp:cNvSpPr/>
@@ -1644,7 +1609,7 @@
         </a:fontRef>
       </dsp:style>
     </dsp:sp>
-    <dsp:sp modelId="{7C8E67CB-5A0E-4EF6-B09B-A90FA0D79582}">
+    <dsp:sp modelId="{245433A6-D797-40EF-93CE-B8EFE110FD5B}">
       <dsp:nvSpPr>
         <dsp:cNvPr id="0" name=""/>
         <dsp:cNvSpPr/>
@@ -1692,7 +1657,7 @@
         </a:fontRef>
       </dsp:style>
     </dsp:sp>
-    <dsp:sp modelId="{EDF8857C-D154-4E43-8C68-391F84343C08}">
+    <dsp:sp modelId="{0CA0DB32-CD3E-485B-B916-8773632BEFF7}">
       <dsp:nvSpPr>
         <dsp:cNvPr id="0" name=""/>
         <dsp:cNvSpPr/>
@@ -4685,7 +4650,7 @@
           <a:p>
             <a:fld id="{305A6F23-D165-44F6-B859-BD300CB0A4FD}" type="datetimeFigureOut">
               <a:rPr lang="en-US" smtClean="0"/>
-              <a:t>7/19/2018</a:t>
+              <a:t>8/8/2018</a:t>
             </a:fld>
             <a:endParaRPr lang="en-US"/>
           </a:p>
@@ -4883,7 +4848,7 @@
           <a:p>
             <a:fld id="{305A6F23-D165-44F6-B859-BD300CB0A4FD}" type="datetimeFigureOut">
               <a:rPr lang="en-US" smtClean="0"/>
-              <a:t>7/19/2018</a:t>
+              <a:t>8/8/2018</a:t>
             </a:fld>
             <a:endParaRPr lang="en-US"/>
           </a:p>
@@ -5091,7 +5056,7 @@
           <a:p>
             <a:fld id="{305A6F23-D165-44F6-B859-BD300CB0A4FD}" type="datetimeFigureOut">
               <a:rPr lang="en-US" smtClean="0"/>
-              <a:t>7/19/2018</a:t>
+              <a:t>8/8/2018</a:t>
             </a:fld>
             <a:endParaRPr lang="en-US"/>
           </a:p>
@@ -5289,7 +5254,7 @@
           <a:p>
             <a:fld id="{305A6F23-D165-44F6-B859-BD300CB0A4FD}" type="datetimeFigureOut">
               <a:rPr lang="en-US" smtClean="0"/>
-              <a:t>7/19/2018</a:t>
+              <a:t>8/8/2018</a:t>
             </a:fld>
             <a:endParaRPr lang="en-US"/>
           </a:p>
@@ -5564,7 +5529,7 @@
           <a:p>
             <a:fld id="{305A6F23-D165-44F6-B859-BD300CB0A4FD}" type="datetimeFigureOut">
               <a:rPr lang="en-US" smtClean="0"/>
-              <a:t>7/19/2018</a:t>
+              <a:t>8/8/2018</a:t>
             </a:fld>
             <a:endParaRPr lang="en-US"/>
           </a:p>
@@ -5829,7 +5794,7 @@
           <a:p>
             <a:fld id="{305A6F23-D165-44F6-B859-BD300CB0A4FD}" type="datetimeFigureOut">
               <a:rPr lang="en-US" smtClean="0"/>
-              <a:t>7/19/2018</a:t>
+              <a:t>8/8/2018</a:t>
             </a:fld>
             <a:endParaRPr lang="en-US"/>
           </a:p>
@@ -6241,7 +6206,7 @@
           <a:p>
             <a:fld id="{305A6F23-D165-44F6-B859-BD300CB0A4FD}" type="datetimeFigureOut">
               <a:rPr lang="en-US" smtClean="0"/>
-              <a:t>7/19/2018</a:t>
+              <a:t>8/8/2018</a:t>
             </a:fld>
             <a:endParaRPr lang="en-US"/>
           </a:p>
@@ -6382,7 +6347,7 @@
           <a:p>
             <a:fld id="{305A6F23-D165-44F6-B859-BD300CB0A4FD}" type="datetimeFigureOut">
               <a:rPr lang="en-US" smtClean="0"/>
-              <a:t>7/19/2018</a:t>
+              <a:t>8/8/2018</a:t>
             </a:fld>
             <a:endParaRPr lang="en-US"/>
           </a:p>
@@ -6495,7 +6460,7 @@
           <a:p>
             <a:fld id="{305A6F23-D165-44F6-B859-BD300CB0A4FD}" type="datetimeFigureOut">
               <a:rPr lang="en-US" smtClean="0"/>
-              <a:t>7/19/2018</a:t>
+              <a:t>8/8/2018</a:t>
             </a:fld>
             <a:endParaRPr lang="en-US"/>
           </a:p>
@@ -6806,7 +6771,7 @@
           <a:p>
             <a:fld id="{305A6F23-D165-44F6-B859-BD300CB0A4FD}" type="datetimeFigureOut">
               <a:rPr lang="en-US" smtClean="0"/>
-              <a:t>7/19/2018</a:t>
+              <a:t>8/8/2018</a:t>
             </a:fld>
             <a:endParaRPr lang="en-US"/>
           </a:p>
@@ -7094,7 +7059,7 @@
           <a:p>
             <a:fld id="{305A6F23-D165-44F6-B859-BD300CB0A4FD}" type="datetimeFigureOut">
               <a:rPr lang="en-US" smtClean="0"/>
-              <a:t>7/19/2018</a:t>
+              <a:t>8/8/2018</a:t>
             </a:fld>
             <a:endParaRPr lang="en-US"/>
           </a:p>
@@ -7335,7 +7300,7 @@
           <a:p>
             <a:fld id="{305A6F23-D165-44F6-B859-BD300CB0A4FD}" type="datetimeFigureOut">
               <a:rPr lang="en-US" smtClean="0"/>
-              <a:t>7/19/2018</a:t>
+              <a:t>8/8/2018</a:t>
             </a:fld>
             <a:endParaRPr lang="en-US"/>
           </a:p>
@@ -7785,7 +7750,7 @@
             <p:nvPr>
               <p:extLst>
                 <p:ext uri="{D42A27DB-BD31-4B8C-83A1-F6EECF244321}">
-                  <p14:modId xmlns:p14="http://schemas.microsoft.com/office/powerpoint/2010/main" val="3488561721"/>
+                  <p14:modId xmlns:p14="http://schemas.microsoft.com/office/powerpoint/2010/main" val="3525711651"/>
                 </p:ext>
               </p:extLst>
             </p:nvPr>
